--- a/processed/mvccc/448_深知所信.pptx
+++ b/processed/mvccc/448_深知所信.pptx
@@ -174,25 +174,18 @@
   <pc:docChgLst>
     <pc:chgData name="Dyno Fu" userId="0d2da80fdb69290a" providerId="LiveId" clId="{947EE767-8FD0-442D-B6AB-3166A01429A1}"/>
     <pc:docChg chg="undo addSld delSld modSld">
-      <pc:chgData name="Dyno Fu" userId="0d2da80fdb69290a" providerId="LiveId" clId="{947EE767-8FD0-442D-B6AB-3166A01429A1}" dt="2019-04-26T05:16:41.610" v="77" actId="20577"/>
+      <pc:chgData name="Dyno Fu" userId="0d2da80fdb69290a" providerId="LiveId" clId="{947EE767-8FD0-442D-B6AB-3166A01429A1}" dt="2019-04-28T05:19:52.423" v="101" actId="20577"/>
       <pc:docMkLst>
         <pc:docMk/>
       </pc:docMkLst>
-      <pc:sldChg chg="add del">
-        <pc:chgData name="Dyno Fu" userId="0d2da80fdb69290a" providerId="LiveId" clId="{947EE767-8FD0-442D-B6AB-3166A01429A1}" dt="2019-04-26T05:09:57.884" v="2" actId="2696"/>
-        <pc:sldMkLst>
-          <pc:docMk/>
-          <pc:sldMk cId="3644103400" sldId="256"/>
-        </pc:sldMkLst>
-      </pc:sldChg>
       <pc:sldChg chg="modSp add">
-        <pc:chgData name="Dyno Fu" userId="0d2da80fdb69290a" providerId="LiveId" clId="{947EE767-8FD0-442D-B6AB-3166A01429A1}" dt="2019-04-26T05:13:37.536" v="28" actId="20577"/>
+        <pc:chgData name="Dyno Fu" userId="0d2da80fdb69290a" providerId="LiveId" clId="{947EE767-8FD0-442D-B6AB-3166A01429A1}" dt="2019-04-28T05:19:52.423" v="101" actId="20577"/>
         <pc:sldMkLst>
           <pc:docMk/>
           <pc:sldMk cId="442860263" sldId="257"/>
         </pc:sldMkLst>
         <pc:spChg chg="mod">
-          <ac:chgData name="Dyno Fu" userId="0d2da80fdb69290a" providerId="LiveId" clId="{947EE767-8FD0-442D-B6AB-3166A01429A1}" dt="2019-04-26T05:10:15.160" v="18" actId="20577"/>
+          <ac:chgData name="Dyno Fu" userId="0d2da80fdb69290a" providerId="LiveId" clId="{947EE767-8FD0-442D-B6AB-3166A01429A1}" dt="2019-04-28T05:11:06.588" v="80"/>
           <ac:spMkLst>
             <pc:docMk/>
             <pc:sldMk cId="442860263" sldId="257"/>
@@ -200,7 +193,7 @@
           </ac:spMkLst>
         </pc:spChg>
         <pc:spChg chg="mod">
-          <ac:chgData name="Dyno Fu" userId="0d2da80fdb69290a" providerId="LiveId" clId="{947EE767-8FD0-442D-B6AB-3166A01429A1}" dt="2019-04-26T05:13:37.536" v="28" actId="20577"/>
+          <ac:chgData name="Dyno Fu" userId="0d2da80fdb69290a" providerId="LiveId" clId="{947EE767-8FD0-442D-B6AB-3166A01429A1}" dt="2019-04-28T05:19:52.423" v="101" actId="20577"/>
           <ac:spMkLst>
             <pc:docMk/>
             <pc:sldMk cId="442860263" sldId="257"/>
@@ -209,13 +202,13 @@
         </pc:spChg>
       </pc:sldChg>
       <pc:sldChg chg="modSp add">
-        <pc:chgData name="Dyno Fu" userId="0d2da80fdb69290a" providerId="LiveId" clId="{947EE767-8FD0-442D-B6AB-3166A01429A1}" dt="2019-04-26T05:14:37.724" v="52"/>
+        <pc:chgData name="Dyno Fu" userId="0d2da80fdb69290a" providerId="LiveId" clId="{947EE767-8FD0-442D-B6AB-3166A01429A1}" dt="2019-04-28T05:17:10.721" v="95" actId="20577"/>
         <pc:sldMkLst>
           <pc:docMk/>
           <pc:sldMk cId="2268503940" sldId="258"/>
         </pc:sldMkLst>
         <pc:spChg chg="mod">
-          <ac:chgData name="Dyno Fu" userId="0d2da80fdb69290a" providerId="LiveId" clId="{947EE767-8FD0-442D-B6AB-3166A01429A1}" dt="2019-04-26T05:14:37.724" v="52"/>
+          <ac:chgData name="Dyno Fu" userId="0d2da80fdb69290a" providerId="LiveId" clId="{947EE767-8FD0-442D-B6AB-3166A01429A1}" dt="2019-04-28T05:17:10.721" v="95" actId="20577"/>
           <ac:spMkLst>
             <pc:docMk/>
             <pc:sldMk cId="2268503940" sldId="258"/>
@@ -231,19 +224,35 @@
           </ac:spMkLst>
         </pc:spChg>
       </pc:sldChg>
-      <pc:sldChg chg="add">
-        <pc:chgData name="Dyno Fu" userId="0d2da80fdb69290a" providerId="LiveId" clId="{947EE767-8FD0-442D-B6AB-3166A01429A1}" dt="2019-04-26T05:14:48.755" v="53"/>
+      <pc:sldChg chg="modSp add">
+        <pc:chgData name="Dyno Fu" userId="0d2da80fdb69290a" providerId="LiveId" clId="{947EE767-8FD0-442D-B6AB-3166A01429A1}" dt="2019-04-28T05:17:15.106" v="96" actId="20577"/>
         <pc:sldMkLst>
           <pc:docMk/>
           <pc:sldMk cId="529017695" sldId="259"/>
         </pc:sldMkLst>
+        <pc:spChg chg="mod">
+          <ac:chgData name="Dyno Fu" userId="0d2da80fdb69290a" providerId="LiveId" clId="{947EE767-8FD0-442D-B6AB-3166A01429A1}" dt="2019-04-28T05:17:15.106" v="96" actId="20577"/>
+          <ac:spMkLst>
+            <pc:docMk/>
+            <pc:sldMk cId="529017695" sldId="259"/>
+            <ac:spMk id="2" creationId="{A3053D58-4018-47A0-8329-AA45E1137426}"/>
+          </ac:spMkLst>
+        </pc:spChg>
       </pc:sldChg>
-      <pc:sldChg chg="addSp delSp add">
-        <pc:chgData name="Dyno Fu" userId="0d2da80fdb69290a" providerId="LiveId" clId="{947EE767-8FD0-442D-B6AB-3166A01429A1}" dt="2019-04-26T05:16:13.215" v="71"/>
+      <pc:sldChg chg="addSp delSp modSp add">
+        <pc:chgData name="Dyno Fu" userId="0d2da80fdb69290a" providerId="LiveId" clId="{947EE767-8FD0-442D-B6AB-3166A01429A1}" dt="2019-04-28T05:17:20.120" v="97" actId="20577"/>
         <pc:sldMkLst>
           <pc:docMk/>
           <pc:sldMk cId="2736473673" sldId="260"/>
         </pc:sldMkLst>
+        <pc:spChg chg="mod">
+          <ac:chgData name="Dyno Fu" userId="0d2da80fdb69290a" providerId="LiveId" clId="{947EE767-8FD0-442D-B6AB-3166A01429A1}" dt="2019-04-28T05:17:20.120" v="97" actId="20577"/>
+          <ac:spMkLst>
+            <pc:docMk/>
+            <pc:sldMk cId="2736473673" sldId="260"/>
+            <ac:spMk id="2" creationId="{A3053D58-4018-47A0-8329-AA45E1137426}"/>
+          </ac:spMkLst>
+        </pc:spChg>
         <pc:spChg chg="add del">
           <ac:chgData name="Dyno Fu" userId="0d2da80fdb69290a" providerId="LiveId" clId="{947EE767-8FD0-442D-B6AB-3166A01429A1}" dt="2019-04-26T05:16:13.215" v="71"/>
           <ac:spMkLst>
@@ -253,21 +262,29 @@
           </ac:spMkLst>
         </pc:spChg>
       </pc:sldChg>
-      <pc:sldChg chg="add">
-        <pc:chgData name="Dyno Fu" userId="0d2da80fdb69290a" providerId="LiveId" clId="{947EE767-8FD0-442D-B6AB-3166A01429A1}" dt="2019-04-26T05:14:52.502" v="55"/>
+      <pc:sldChg chg="modSp add">
+        <pc:chgData name="Dyno Fu" userId="0d2da80fdb69290a" providerId="LiveId" clId="{947EE767-8FD0-442D-B6AB-3166A01429A1}" dt="2019-04-28T05:17:24.173" v="98" actId="20577"/>
         <pc:sldMkLst>
           <pc:docMk/>
           <pc:sldMk cId="3778043112" sldId="261"/>
         </pc:sldMkLst>
+        <pc:spChg chg="mod">
+          <ac:chgData name="Dyno Fu" userId="0d2da80fdb69290a" providerId="LiveId" clId="{947EE767-8FD0-442D-B6AB-3166A01429A1}" dt="2019-04-28T05:17:24.173" v="98" actId="20577"/>
+          <ac:spMkLst>
+            <pc:docMk/>
+            <pc:sldMk cId="3778043112" sldId="261"/>
+            <ac:spMk id="2" creationId="{A3053D58-4018-47A0-8329-AA45E1137426}"/>
+          </ac:spMkLst>
+        </pc:spChg>
       </pc:sldChg>
       <pc:sldChg chg="modSp add">
-        <pc:chgData name="Dyno Fu" userId="0d2da80fdb69290a" providerId="LiveId" clId="{947EE767-8FD0-442D-B6AB-3166A01429A1}" dt="2019-04-26T05:15:24.915" v="63" actId="20577"/>
+        <pc:chgData name="Dyno Fu" userId="0d2da80fdb69290a" providerId="LiveId" clId="{947EE767-8FD0-442D-B6AB-3166A01429A1}" dt="2019-04-28T05:11:29.489" v="84" actId="20577"/>
         <pc:sldMkLst>
           <pc:docMk/>
           <pc:sldMk cId="3822627864" sldId="262"/>
         </pc:sldMkLst>
         <pc:spChg chg="mod">
-          <ac:chgData name="Dyno Fu" userId="0d2da80fdb69290a" providerId="LiveId" clId="{947EE767-8FD0-442D-B6AB-3166A01429A1}" dt="2019-04-26T05:15:24.915" v="63" actId="20577"/>
+          <ac:chgData name="Dyno Fu" userId="0d2da80fdb69290a" providerId="LiveId" clId="{947EE767-8FD0-442D-B6AB-3166A01429A1}" dt="2019-04-28T05:11:29.489" v="84" actId="20577"/>
           <ac:spMkLst>
             <pc:docMk/>
             <pc:sldMk cId="3822627864" sldId="262"/>
@@ -284,13 +301,13 @@
         </pc:spChg>
       </pc:sldChg>
       <pc:sldChg chg="modSp add">
-        <pc:chgData name="Dyno Fu" userId="0d2da80fdb69290a" providerId="LiveId" clId="{947EE767-8FD0-442D-B6AB-3166A01429A1}" dt="2019-04-26T05:15:56.809" v="69" actId="20577"/>
+        <pc:chgData name="Dyno Fu" userId="0d2da80fdb69290a" providerId="LiveId" clId="{947EE767-8FD0-442D-B6AB-3166A01429A1}" dt="2019-04-28T05:11:59.865" v="88" actId="20577"/>
         <pc:sldMkLst>
           <pc:docMk/>
           <pc:sldMk cId="1133706464" sldId="263"/>
         </pc:sldMkLst>
         <pc:spChg chg="mod">
-          <ac:chgData name="Dyno Fu" userId="0d2da80fdb69290a" providerId="LiveId" clId="{947EE767-8FD0-442D-B6AB-3166A01429A1}" dt="2019-04-26T05:15:35.653" v="66" actId="20577"/>
+          <ac:chgData name="Dyno Fu" userId="0d2da80fdb69290a" providerId="LiveId" clId="{947EE767-8FD0-442D-B6AB-3166A01429A1}" dt="2019-04-28T05:11:59.865" v="88" actId="20577"/>
           <ac:spMkLst>
             <pc:docMk/>
             <pc:sldMk cId="1133706464" sldId="263"/>
@@ -307,13 +324,13 @@
         </pc:spChg>
       </pc:sldChg>
       <pc:sldChg chg="modSp add">
-        <pc:chgData name="Dyno Fu" userId="0d2da80fdb69290a" providerId="LiveId" clId="{947EE767-8FD0-442D-B6AB-3166A01429A1}" dt="2019-04-26T05:16:41.610" v="77" actId="20577"/>
+        <pc:chgData name="Dyno Fu" userId="0d2da80fdb69290a" providerId="LiveId" clId="{947EE767-8FD0-442D-B6AB-3166A01429A1}" dt="2019-04-28T05:12:17.967" v="92" actId="20577"/>
         <pc:sldMkLst>
           <pc:docMk/>
           <pc:sldMk cId="1572307046" sldId="264"/>
         </pc:sldMkLst>
         <pc:spChg chg="mod">
-          <ac:chgData name="Dyno Fu" userId="0d2da80fdb69290a" providerId="LiveId" clId="{947EE767-8FD0-442D-B6AB-3166A01429A1}" dt="2019-04-26T05:16:31.341" v="74" actId="20577"/>
+          <ac:chgData name="Dyno Fu" userId="0d2da80fdb69290a" providerId="LiveId" clId="{947EE767-8FD0-442D-B6AB-3166A01429A1}" dt="2019-04-28T05:12:17.967" v="92" actId="20577"/>
           <ac:spMkLst>
             <pc:docMk/>
             <pc:sldMk cId="1572307046" sldId="264"/>
@@ -428,7 +445,7 @@
           <a:p>
             <a:fld id="{FC8F506A-96F6-4545-A9A6-12FC14918280}" type="datetimeFigureOut">
               <a:rPr lang="en-US" smtClean="0"/>
-              <a:t>4/25/2019</a:t>
+              <a:t>4/27/2019</a:t>
             </a:fld>
             <a:endParaRPr lang="en-US"/>
           </a:p>
@@ -5784,7 +5801,7 @@
             </a:r>
             <a:r>
               <a:rPr lang="zh-CN" altLang="en-US" dirty="0"/>
-              <a:t>我知所信 （</a:t>
+              <a:t>深知所信 （</a:t>
             </a:r>
             <a:r>
               <a:rPr lang="en-US" altLang="zh-CN" dirty="0"/>
@@ -5821,7 +5838,7 @@
           <a:p>
             <a:r>
               <a:rPr lang="zh-TW" altLang="en-US" dirty="0"/>
-              <a:t>我真不知神的奇恩 </a:t>
+              <a:t>我真不知神的奇恩</a:t>
             </a:r>
             <a:endParaRPr lang="en-US" altLang="zh-TW" dirty="0"/>
           </a:p>
@@ -5834,14 +5851,18 @@
           <a:p>
             <a:r>
               <a:rPr lang="zh-TW" altLang="en-US" dirty="0"/>
-              <a:t>我也不知不堪如我 </a:t>
+              <a:t>我也不知不堪如我</a:t>
             </a:r>
             <a:endParaRPr lang="en-US" altLang="zh-TW" dirty="0"/>
           </a:p>
           <a:p>
             <a:r>
               <a:rPr lang="zh-TW" altLang="en-US" dirty="0"/>
-              <a:t>竟蒙救贖之恩 </a:t>
+              <a:t>竟蒙救贖</a:t>
+            </a:r>
+            <a:r>
+              <a:rPr lang="zh-TW" altLang="en-US"/>
+              <a:t>之恩</a:t>
             </a:r>
             <a:endParaRPr lang="en-US" altLang="zh-TW" dirty="0"/>
           </a:p>
@@ -5907,11 +5928,11 @@
             </a:r>
             <a:r>
               <a:rPr lang="en-US" altLang="zh-CN" dirty="0"/>
-              <a:t> 448 </a:t>
+              <a:t>448 </a:t>
             </a:r>
             <a:r>
               <a:rPr lang="zh-CN" altLang="en-US" dirty="0"/>
-              <a:t>我知所信 （副歌）</a:t>
+              <a:t>深知所信 （副歌）</a:t>
             </a:r>
             <a:endParaRPr lang="en-US" dirty="0"/>
           </a:p>
@@ -6023,7 +6044,7 @@
             </a:r>
             <a:r>
               <a:rPr lang="zh-CN" altLang="en-US" dirty="0"/>
-              <a:t>我知所信 （</a:t>
+              <a:t>深知所信 （</a:t>
             </a:r>
             <a:r>
               <a:rPr lang="en-US" altLang="zh-CN" dirty="0"/>
@@ -6143,11 +6164,11 @@
             </a:r>
             <a:r>
               <a:rPr lang="en-US" altLang="zh-CN" dirty="0"/>
-              <a:t> 448 </a:t>
+              <a:t>448 </a:t>
             </a:r>
             <a:r>
               <a:rPr lang="zh-CN" altLang="en-US" dirty="0"/>
-              <a:t>我知所信 （副歌）</a:t>
+              <a:t>深知所信 （副歌）</a:t>
             </a:r>
             <a:endParaRPr lang="en-US" dirty="0"/>
           </a:p>
@@ -6259,7 +6280,7 @@
             </a:r>
             <a:r>
               <a:rPr lang="zh-CN" altLang="en-US" dirty="0"/>
-              <a:t>我知所信 （</a:t>
+              <a:t>深知所信 （</a:t>
             </a:r>
             <a:r>
               <a:rPr lang="en-US" altLang="zh-CN" dirty="0"/>
@@ -6379,11 +6400,11 @@
             </a:r>
             <a:r>
               <a:rPr lang="en-US" altLang="zh-CN" dirty="0"/>
-              <a:t> 448 </a:t>
+              <a:t>448 </a:t>
             </a:r>
             <a:r>
               <a:rPr lang="zh-CN" altLang="en-US" dirty="0"/>
-              <a:t>我知所信 （副歌）</a:t>
+              <a:t>深知所信 （副歌）</a:t>
             </a:r>
             <a:endParaRPr lang="en-US" dirty="0"/>
           </a:p>
@@ -6495,7 +6516,7 @@
             </a:r>
             <a:r>
               <a:rPr lang="zh-CN" altLang="en-US" dirty="0"/>
-              <a:t>我知所信 （</a:t>
+              <a:t>深知所信 （</a:t>
             </a:r>
             <a:r>
               <a:rPr lang="en-US" altLang="zh-CN" dirty="0"/>
@@ -6614,16 +6635,16 @@
           <a:lstStyle/>
           <a:p>
             <a:r>
-              <a:rPr lang="en-US" dirty="0"/>
+              <a:rPr lang="en-US"/>
               <a:t>#</a:t>
             </a:r>
             <a:r>
-              <a:rPr lang="en-US" altLang="zh-CN" dirty="0"/>
-              <a:t> 448 </a:t>
+              <a:rPr lang="en-US" altLang="zh-CN"/>
+              <a:t>448 </a:t>
             </a:r>
             <a:r>
               <a:rPr lang="zh-CN" altLang="en-US" dirty="0"/>
-              <a:t>我知所信 （副歌）</a:t>
+              <a:t>深知所信 （副歌）</a:t>
             </a:r>
             <a:endParaRPr lang="en-US" dirty="0"/>
           </a:p>
